--- a/dbstudy/OraclePPT/18. 고급 SQL 작성하기_인덱스.pptx
+++ b/dbstudy/OraclePPT/18. 고급 SQL 작성하기_인덱스.pptx
@@ -5,7 +5,7 @@
     <p:sldMasterId id="2147483660" r:id="rId1"/>
   </p:sldMasterIdLst>
   <p:notesMasterIdLst>
-    <p:notesMasterId r:id="rId9"/>
+    <p:notesMasterId r:id="rId8"/>
   </p:notesMasterIdLst>
   <p:sldIdLst>
     <p:sldId id="289" r:id="rId2"/>
@@ -14,7 +14,6 @@
     <p:sldId id="327" r:id="rId5"/>
     <p:sldId id="326" r:id="rId6"/>
     <p:sldId id="325" r:id="rId7"/>
-    <p:sldId id="329" r:id="rId8"/>
   </p:sldIdLst>
   <p:sldSz cx="9144000" cy="6858000" type="screen4x3"/>
   <p:notesSz cx="6858000" cy="9144000"/>
@@ -220,7 +219,7 @@
           <a:p>
             <a:fld id="{E150CED1-0BD3-437E-982C-E8005E10CB37}" type="datetimeFigureOut">
               <a:rPr lang="ko-KR" altLang="en-US" smtClean="0"/>
-              <a:t>2022-01-07</a:t>
+              <a:t>2022-03-03</a:t>
             </a:fld>
             <a:endParaRPr lang="ko-KR" altLang="en-US"/>
           </a:p>
@@ -6307,250 +6306,6 @@
 </p:sld>
 </file>
 
-<file path=ppt/slides/slide7.xml><?xml version="1.0" encoding="utf-8"?>
-<p:sld xmlns:a="http://schemas.openxmlformats.org/drawingml/2006/main" xmlns:r="http://schemas.openxmlformats.org/officeDocument/2006/relationships" xmlns:p="http://schemas.openxmlformats.org/presentationml/2006/main">
-  <p:cSld>
-    <p:spTree>
-      <p:nvGrpSpPr>
-        <p:cNvPr id="1" name=""/>
-        <p:cNvGrpSpPr/>
-        <p:nvPr/>
-      </p:nvGrpSpPr>
-      <p:grpSpPr>
-        <a:xfrm>
-          <a:off x="0" y="0"/>
-          <a:ext cx="0" cy="0"/>
-          <a:chOff x="0" y="0"/>
-          <a:chExt cx="0" cy="0"/>
-        </a:xfrm>
-      </p:grpSpPr>
-      <p:sp>
-        <p:nvSpPr>
-          <p:cNvPr id="2" name="제목 1"/>
-          <p:cNvSpPr>
-            <a:spLocks noGrp="1"/>
-          </p:cNvSpPr>
-          <p:nvPr>
-            <p:ph type="title"/>
-          </p:nvPr>
-        </p:nvSpPr>
-        <p:spPr/>
-        <p:txBody>
-          <a:bodyPr/>
-          <a:lstStyle/>
-          <a:p>
-            <a:endParaRPr lang="ko-KR" altLang="en-US"/>
-          </a:p>
-        </p:txBody>
-      </p:sp>
-      <p:sp>
-        <p:nvSpPr>
-          <p:cNvPr id="3" name="내용 개체 틀 2"/>
-          <p:cNvSpPr>
-            <a:spLocks noGrp="1"/>
-          </p:cNvSpPr>
-          <p:nvPr>
-            <p:ph idx="1"/>
-          </p:nvPr>
-        </p:nvSpPr>
-        <p:spPr>
-          <a:xfrm>
-            <a:off x="0" y="1100628"/>
-            <a:ext cx="9166860" cy="4704636"/>
-          </a:xfrm>
-        </p:spPr>
-        <p:txBody>
-          <a:bodyPr/>
-          <a:lstStyle/>
-          <a:p>
-            <a:r>
-              <a:rPr lang="en-US" altLang="ko-KR" sz="2800" dirty="0" smtClean="0"/>
-              <a:t>CREATE UNIQUE INDEX IDX</a:t>
-            </a:r>
-            <a:r>
-              <a:rPr lang="ko-KR" altLang="en-US" sz="2800" dirty="0" smtClean="0"/>
-              <a:t>아이디 </a:t>
-            </a:r>
-            <a:r>
-              <a:rPr lang="en-US" altLang="ko-KR" sz="2800" dirty="0" smtClean="0"/>
-              <a:t>ON MEMBERS(ID);</a:t>
-            </a:r>
-          </a:p>
-          <a:p>
-            <a:r>
-              <a:rPr lang="en-US" altLang="ko-KR" sz="2800" dirty="0" smtClean="0"/>
-              <a:t>-- MEMBERS</a:t>
-            </a:r>
-            <a:r>
-              <a:rPr lang="ko-KR" altLang="en-US" sz="2800" dirty="0" smtClean="0"/>
-              <a:t>테이블의 </a:t>
-            </a:r>
-            <a:r>
-              <a:rPr lang="en-US" altLang="ko-KR" sz="2800" dirty="0" smtClean="0"/>
-              <a:t>ID</a:t>
-            </a:r>
-            <a:r>
-              <a:rPr lang="ko-KR" altLang="en-US" sz="2800" dirty="0" smtClean="0"/>
-              <a:t>칼럼에 부착한 고유인덱스</a:t>
-            </a:r>
-            <a:endParaRPr lang="en-US" altLang="ko-KR" sz="2800" dirty="0" smtClean="0"/>
-          </a:p>
-          <a:p>
-            <a:r>
-              <a:rPr lang="en-US" altLang="ko-KR" sz="2800" dirty="0"/>
-              <a:t> </a:t>
-            </a:r>
-            <a:r>
-              <a:rPr lang="en-US" altLang="ko-KR" sz="2800" dirty="0" smtClean="0"/>
-              <a:t>                                                    IDX</a:t>
-            </a:r>
-            <a:r>
-              <a:rPr lang="ko-KR" altLang="en-US" sz="2800" dirty="0" smtClean="0"/>
-              <a:t>아이디</a:t>
-            </a:r>
-            <a:endParaRPr lang="en-US" altLang="ko-KR" sz="2800" dirty="0" smtClean="0"/>
-          </a:p>
-          <a:p>
-            <a:r>
-              <a:rPr lang="en-US" altLang="ko-KR" sz="2800" dirty="0" smtClean="0"/>
-              <a:t>CREATE INDEX IDX</a:t>
-            </a:r>
-            <a:r>
-              <a:rPr lang="ko-KR" altLang="en-US" sz="2800" dirty="0" smtClean="0"/>
-              <a:t>이름 </a:t>
-            </a:r>
-            <a:r>
-              <a:rPr lang="en-US" altLang="ko-KR" sz="2800" dirty="0" smtClean="0"/>
-              <a:t>ON MEMBERS(NAME);</a:t>
-            </a:r>
-          </a:p>
-          <a:p>
-            <a:r>
-              <a:rPr lang="en-US" altLang="ko-KR" sz="2800" dirty="0" smtClean="0"/>
-              <a:t>-- MEMBERS</a:t>
-            </a:r>
-            <a:r>
-              <a:rPr lang="ko-KR" altLang="en-US" sz="2800" dirty="0" smtClean="0"/>
-              <a:t>테이블의 </a:t>
-            </a:r>
-            <a:r>
-              <a:rPr lang="en-US" altLang="ko-KR" sz="2800" dirty="0" smtClean="0"/>
-              <a:t>NAME</a:t>
-            </a:r>
-            <a:r>
-              <a:rPr lang="ko-KR" altLang="en-US" sz="2800" dirty="0" smtClean="0"/>
-              <a:t>칼럼에 부착한 </a:t>
-            </a:r>
-            <a:r>
-              <a:rPr lang="ko-KR" altLang="en-US" sz="2800" dirty="0" err="1" smtClean="0"/>
-              <a:t>비고유인덱스</a:t>
-            </a:r>
-            <a:r>
-              <a:rPr lang="ko-KR" altLang="en-US" sz="2800" dirty="0" smtClean="0"/>
-              <a:t>  </a:t>
-            </a:r>
-            <a:r>
-              <a:rPr lang="en-US" altLang="ko-KR" sz="2800" dirty="0" smtClean="0"/>
-              <a:t>IDX</a:t>
-            </a:r>
-            <a:r>
-              <a:rPr lang="ko-KR" altLang="en-US" sz="2800" dirty="0" smtClean="0"/>
-              <a:t>이름</a:t>
-            </a:r>
-            <a:endParaRPr lang="ko-KR" altLang="en-US" sz="2800" dirty="0"/>
-          </a:p>
-        </p:txBody>
-      </p:sp>
-      <p:sp>
-        <p:nvSpPr>
-          <p:cNvPr id="4" name="바닥글 개체 틀 3"/>
-          <p:cNvSpPr>
-            <a:spLocks noGrp="1"/>
-          </p:cNvSpPr>
-          <p:nvPr>
-            <p:ph type="ftr" sz="quarter" idx="11"/>
-          </p:nvPr>
-        </p:nvSpPr>
-        <p:spPr/>
-        <p:txBody>
-          <a:bodyPr/>
-          <a:lstStyle/>
-          <a:p>
-            <a:r>
-              <a:rPr lang="ko-KR" altLang="en-US" smtClean="0"/>
-              <a:t>데이터베이스프로그래밍</a:t>
-            </a:r>
-            <a:r>
-              <a:rPr lang="en-US" altLang="ko-KR" smtClean="0"/>
-              <a:t>_SQL</a:t>
-            </a:r>
-            <a:r>
-              <a:rPr lang="ko-KR" altLang="en-US" smtClean="0"/>
-              <a:t>활용</a:t>
-            </a:r>
-            <a:r>
-              <a:rPr lang="en-US" altLang="ko-KR" smtClean="0"/>
-              <a:t>_</a:t>
-            </a:r>
-            <a:r>
-              <a:rPr lang="ko-KR" altLang="en-US" smtClean="0"/>
-              <a:t>인덱스</a:t>
-            </a:r>
-            <a:r>
-              <a:rPr lang="en-US" altLang="ko-KR" smtClean="0"/>
-              <a:t>_</a:t>
-            </a:r>
-            <a:r>
-              <a:rPr lang="ko-KR" altLang="en-US" smtClean="0"/>
-              <a:t>뷰</a:t>
-            </a:r>
-            <a:endParaRPr lang="ko-KR" altLang="en-US" dirty="0"/>
-          </a:p>
-        </p:txBody>
-      </p:sp>
-      <p:sp>
-        <p:nvSpPr>
-          <p:cNvPr id="5" name="슬라이드 번호 개체 틀 4"/>
-          <p:cNvSpPr>
-            <a:spLocks noGrp="1"/>
-          </p:cNvSpPr>
-          <p:nvPr>
-            <p:ph type="sldNum" sz="quarter" idx="12"/>
-          </p:nvPr>
-        </p:nvSpPr>
-        <p:spPr/>
-        <p:txBody>
-          <a:bodyPr/>
-          <a:lstStyle/>
-          <a:p>
-            <a:fld id="{3C203B44-7224-4AD4-9439-861CD1E3978C}" type="slidenum">
-              <a:rPr lang="ko-KR" altLang="en-US" smtClean="0"/>
-              <a:t>7</a:t>
-            </a:fld>
-            <a:endParaRPr lang="ko-KR" altLang="en-US"/>
-          </a:p>
-        </p:txBody>
-      </p:sp>
-    </p:spTree>
-    <p:extLst>
-      <p:ext uri="{BB962C8B-B14F-4D97-AF65-F5344CB8AC3E}">
-        <p14:creationId xmlns:p14="http://schemas.microsoft.com/office/powerpoint/2010/main" val="1561841873"/>
-      </p:ext>
-    </p:extLst>
-  </p:cSld>
-  <p:clrMapOvr>
-    <a:masterClrMapping/>
-  </p:clrMapOvr>
-  <p:timing>
-    <p:tnLst>
-      <p:par>
-        <p:cTn id="1" dur="indefinite" restart="never" nodeType="tmRoot"/>
-      </p:par>
-    </p:tnLst>
-  </p:timing>
-</p:sld>
-</file>
-
 <file path=ppt/theme/theme1.xml><?xml version="1.0" encoding="utf-8"?>
 <a:theme xmlns:a="http://schemas.openxmlformats.org/drawingml/2006/main" name="각">
   <a:themeElements>
